--- a/Clases/Retrospectiva.pptx
+++ b/Clases/Retrospectiva.pptx
@@ -289,7 +289,7 @@
           <a:p>
             <a:fld id="{DB994118-2E61-4C84-84FF-3FF02555BF38}" type="datetimeFigureOut">
               <a:rPr lang="es-AR" smtClean="0"/>
-              <a:t>29/11/2012</a:t>
+              <a:t>05/12/2012</a:t>
             </a:fld>
             <a:endParaRPr lang="es-AR"/>
           </a:p>
@@ -459,7 +459,7 @@
           <a:p>
             <a:fld id="{DB994118-2E61-4C84-84FF-3FF02555BF38}" type="datetimeFigureOut">
               <a:rPr lang="es-AR" smtClean="0"/>
-              <a:t>29/11/2012</a:t>
+              <a:t>05/12/2012</a:t>
             </a:fld>
             <a:endParaRPr lang="es-AR"/>
           </a:p>
@@ -639,7 +639,7 @@
           <a:p>
             <a:fld id="{DB994118-2E61-4C84-84FF-3FF02555BF38}" type="datetimeFigureOut">
               <a:rPr lang="es-AR" smtClean="0"/>
-              <a:t>29/11/2012</a:t>
+              <a:t>05/12/2012</a:t>
             </a:fld>
             <a:endParaRPr lang="es-AR"/>
           </a:p>
@@ -809,7 +809,7 @@
           <a:p>
             <a:fld id="{DB994118-2E61-4C84-84FF-3FF02555BF38}" type="datetimeFigureOut">
               <a:rPr lang="es-AR" smtClean="0"/>
-              <a:t>29/11/2012</a:t>
+              <a:t>05/12/2012</a:t>
             </a:fld>
             <a:endParaRPr lang="es-AR"/>
           </a:p>
@@ -1055,7 +1055,7 @@
           <a:p>
             <a:fld id="{DB994118-2E61-4C84-84FF-3FF02555BF38}" type="datetimeFigureOut">
               <a:rPr lang="es-AR" smtClean="0"/>
-              <a:t>29/11/2012</a:t>
+              <a:t>05/12/2012</a:t>
             </a:fld>
             <a:endParaRPr lang="es-AR"/>
           </a:p>
@@ -1343,7 +1343,7 @@
           <a:p>
             <a:fld id="{DB994118-2E61-4C84-84FF-3FF02555BF38}" type="datetimeFigureOut">
               <a:rPr lang="es-AR" smtClean="0"/>
-              <a:t>29/11/2012</a:t>
+              <a:t>05/12/2012</a:t>
             </a:fld>
             <a:endParaRPr lang="es-AR"/>
           </a:p>
@@ -1765,7 +1765,7 @@
           <a:p>
             <a:fld id="{DB994118-2E61-4C84-84FF-3FF02555BF38}" type="datetimeFigureOut">
               <a:rPr lang="es-AR" smtClean="0"/>
-              <a:t>29/11/2012</a:t>
+              <a:t>05/12/2012</a:t>
             </a:fld>
             <a:endParaRPr lang="es-AR"/>
           </a:p>
@@ -1883,7 +1883,7 @@
           <a:p>
             <a:fld id="{DB994118-2E61-4C84-84FF-3FF02555BF38}" type="datetimeFigureOut">
               <a:rPr lang="es-AR" smtClean="0"/>
-              <a:t>29/11/2012</a:t>
+              <a:t>05/12/2012</a:t>
             </a:fld>
             <a:endParaRPr lang="es-AR"/>
           </a:p>
@@ -1978,7 +1978,7 @@
           <a:p>
             <a:fld id="{DB994118-2E61-4C84-84FF-3FF02555BF38}" type="datetimeFigureOut">
               <a:rPr lang="es-AR" smtClean="0"/>
-              <a:t>29/11/2012</a:t>
+              <a:t>05/12/2012</a:t>
             </a:fld>
             <a:endParaRPr lang="es-AR"/>
           </a:p>
@@ -2255,7 +2255,7 @@
           <a:p>
             <a:fld id="{DB994118-2E61-4C84-84FF-3FF02555BF38}" type="datetimeFigureOut">
               <a:rPr lang="es-AR" smtClean="0"/>
-              <a:t>29/11/2012</a:t>
+              <a:t>05/12/2012</a:t>
             </a:fld>
             <a:endParaRPr lang="es-AR"/>
           </a:p>
@@ -2508,7 +2508,7 @@
           <a:p>
             <a:fld id="{DB994118-2E61-4C84-84FF-3FF02555BF38}" type="datetimeFigureOut">
               <a:rPr lang="es-AR" smtClean="0"/>
-              <a:t>29/11/2012</a:t>
+              <a:t>05/12/2012</a:t>
             </a:fld>
             <a:endParaRPr lang="es-AR"/>
           </a:p>
@@ -2721,7 +2721,7 @@
           <a:p>
             <a:fld id="{DB994118-2E61-4C84-84FF-3FF02555BF38}" type="datetimeFigureOut">
               <a:rPr lang="es-AR" smtClean="0"/>
-              <a:t>29/11/2012</a:t>
+              <a:t>05/12/2012</a:t>
             </a:fld>
             <a:endParaRPr lang="es-AR"/>
           </a:p>
@@ -3105,7 +3105,7 @@
           <p:nvPr>
             <p:extLst>
               <p:ext uri="{D42A27DB-BD31-4B8C-83A1-F6EECF244321}">
-                <p14:modId xmlns:p14="http://schemas.microsoft.com/office/powerpoint/2010/main" val="2927868938"/>
+                <p14:modId xmlns:p14="http://schemas.microsoft.com/office/powerpoint/2010/main" val="3939061582"/>
               </p:ext>
             </p:extLst>
           </p:nvPr>
@@ -3300,11 +3300,7 @@
                       </a:pPr>
                       <a:r>
                         <a:rPr lang="es-AR" dirty="0" smtClean="0"/>
-                        <a:t>AI</a:t>
-                      </a:r>
-                      <a:r>
-                        <a:rPr lang="es-AR" dirty="0" smtClean="0"/>
-                        <a:t>: Pedir la sala mas grande</a:t>
+                        <a:t>AI: Pedir la sala mas grande</a:t>
                       </a:r>
                     </a:p>
                     <a:p>
@@ -3314,27 +3310,11 @@
                       </a:pPr>
                       <a:r>
                         <a:rPr lang="es-AR" dirty="0" smtClean="0"/>
-                        <a:t>No hubo </a:t>
-                      </a:r>
-                      <a:r>
-                        <a:rPr lang="es-AR" dirty="0" smtClean="0"/>
-                        <a:t>“trabajo” </a:t>
-                      </a:r>
-                      <a:r>
-                        <a:rPr lang="es-AR" dirty="0" smtClean="0"/>
-                        <a:t>sobre</a:t>
+                        <a:t>No hubo “trabajo” sobre</a:t>
                       </a:r>
                       <a:r>
                         <a:rPr lang="es-AR" baseline="0" dirty="0" smtClean="0"/>
-                        <a:t> el </a:t>
-                      </a:r>
-                      <a:r>
-                        <a:rPr lang="es-AR" baseline="0" dirty="0" smtClean="0"/>
-                        <a:t>trabajo final </a:t>
-                      </a:r>
-                      <a:r>
-                        <a:rPr lang="es-AR" baseline="0" dirty="0" smtClean="0"/>
-                        <a:t>en clase</a:t>
+                        <a:t> el trabajo final en clase</a:t>
                       </a:r>
                     </a:p>
                     <a:p>
@@ -3344,11 +3324,7 @@
                       </a:pPr>
                       <a:r>
                         <a:rPr lang="es-AR" dirty="0" smtClean="0"/>
-                        <a:t>Reservar </a:t>
-                      </a:r>
-                      <a:r>
-                        <a:rPr lang="es-AR" dirty="0" smtClean="0"/>
-                        <a:t>30</a:t>
+                        <a:t>Reservar 30</a:t>
                       </a:r>
                       <a:r>
                         <a:rPr lang="es-AR" baseline="0" dirty="0" smtClean="0"/>
@@ -3370,11 +3346,7 @@
                       </a:pPr>
                       <a:r>
                         <a:rPr lang="es-AR" baseline="0" dirty="0" smtClean="0"/>
-                        <a:t>Los grupos de mails No </a:t>
-                      </a:r>
-                      <a:r>
-                        <a:rPr lang="es-AR" baseline="0" dirty="0" smtClean="0"/>
-                        <a:t>andan </a:t>
+                        <a:t>Los grupos de mails No andan </a:t>
                       </a:r>
                     </a:p>
                     <a:p>
@@ -3392,17 +3364,8 @@
                       </a:r>
                       <a:r>
                         <a:rPr lang="es-AR" baseline="0" dirty="0" smtClean="0"/>
-                        <a:t> </a:t>
-                      </a:r>
-                      <a:r>
-                        <a:rPr lang="es-AR" baseline="0" dirty="0" smtClean="0"/>
-                        <a:t>no </a:t>
-                      </a:r>
-                      <a:r>
-                        <a:rPr lang="es-AR" baseline="0" dirty="0" smtClean="0"/>
-                        <a:t>va más)</a:t>
-                      </a:r>
-                      <a:endParaRPr lang="es-AR" baseline="0" dirty="0" smtClean="0"/>
+                        <a:t> no va más)</a:t>
+                      </a:r>
                     </a:p>
                     <a:p>
                       <a:pPr marL="285750" indent="-285750">
@@ -3429,7 +3392,6 @@
                         <a:rPr lang="es-AR" baseline="0" dirty="0" smtClean="0"/>
                         <a:t> desde el principio. </a:t>
                       </a:r>
-                      <a:endParaRPr lang="es-AR" baseline="0" dirty="0" smtClean="0"/>
                     </a:p>
                     <a:p>
                       <a:pPr marL="742950" lvl="1" indent="-285750">
@@ -3438,19 +3400,7 @@
                       </a:pPr>
                       <a:r>
                         <a:rPr lang="es-AR" baseline="0" dirty="0" smtClean="0"/>
-                        <a:t>AI: (No </a:t>
-                      </a:r>
-                      <a:r>
-                        <a:rPr lang="es-AR" baseline="0" dirty="0" smtClean="0"/>
-                        <a:t>todos de acuerdo – mejor aprender la base y </a:t>
-                      </a:r>
-                      <a:r>
-                        <a:rPr lang="es-AR" baseline="0" dirty="0" smtClean="0"/>
-                        <a:t>después </a:t>
-                      </a:r>
-                      <a:r>
-                        <a:rPr lang="es-AR" baseline="0" dirty="0" smtClean="0"/>
-                        <a:t>la magia)</a:t>
+                        <a:t>AI: (No todos de acuerdo – mejor aprender la base y después la magia)</a:t>
                       </a:r>
                     </a:p>
                     <a:p>
@@ -3474,11 +3424,15 @@
                       </a:r>
                       <a:r>
                         <a:rPr lang="es-AR" baseline="0" dirty="0" err="1" smtClean="0"/>
-                        <a:t>Teoria+Practica</a:t>
+                        <a:t>Teoria</a:t>
                       </a:r>
                       <a:r>
                         <a:rPr lang="es-AR" baseline="0" dirty="0" smtClean="0"/>
-                        <a:t> todo junto</a:t>
+                        <a:t> + Practica </a:t>
+                      </a:r>
+                      <a:r>
+                        <a:rPr lang="es-AR" baseline="0" dirty="0" smtClean="0"/>
+                        <a:t>todo junto</a:t>
                       </a:r>
                       <a:endParaRPr lang="es-AR" dirty="0"/>
                     </a:p>
@@ -3547,140 +3501,6 @@
           <a:chExt cx="0" cy="0"/>
         </a:xfrm>
       </p:grpSpPr>
-      <p:graphicFrame>
-        <p:nvGraphicFramePr>
-          <p:cNvPr id="4" name="Table 3"/>
-          <p:cNvGraphicFramePr>
-            <a:graphicFrameLocks noGrp="1"/>
-          </p:cNvGraphicFramePr>
-          <p:nvPr>
-            <p:extLst>
-              <p:ext uri="{D42A27DB-BD31-4B8C-83A1-F6EECF244321}">
-                <p14:modId xmlns:p14="http://schemas.microsoft.com/office/powerpoint/2010/main" val="128144622"/>
-              </p:ext>
-            </p:extLst>
-          </p:nvPr>
-        </p:nvGraphicFramePr>
-        <p:xfrm>
-          <a:off x="1524000" y="1397000"/>
-          <a:ext cx="6096000" cy="1656080"/>
-        </p:xfrm>
-        <a:graphic>
-          <a:graphicData uri="http://schemas.openxmlformats.org/drawingml/2006/table">
-            <a:tbl>
-              <a:tblPr firstRow="1" bandRow="1">
-                <a:tableStyleId>{5C22544A-7EE6-4342-B048-85BDC9FD1C3A}</a:tableStyleId>
-              </a:tblPr>
-              <a:tblGrid>
-                <a:gridCol w="3048000"/>
-                <a:gridCol w="3048000"/>
-              </a:tblGrid>
-              <a:tr h="370840">
-                <a:tc>
-                  <a:txBody>
-                    <a:bodyPr/>
-                    <a:lstStyle/>
-                    <a:p>
-                      <a:r>
-                        <a:rPr lang="es-AR" dirty="0" smtClean="0"/>
-                        <a:t>Bueno</a:t>
-                      </a:r>
-                      <a:endParaRPr lang="es-AR" dirty="0"/>
-                    </a:p>
-                  </a:txBody>
-                  <a:tcPr/>
-                </a:tc>
-                <a:tc>
-                  <a:txBody>
-                    <a:bodyPr/>
-                    <a:lstStyle/>
-                    <a:p>
-                      <a:r>
-                        <a:rPr lang="es-AR" dirty="0" smtClean="0"/>
-                        <a:t>Malo</a:t>
-                      </a:r>
-                      <a:endParaRPr lang="es-AR" dirty="0"/>
-                    </a:p>
-                  </a:txBody>
-                  <a:tcPr/>
-                </a:tc>
-              </a:tr>
-              <a:tr h="370840">
-                <a:tc>
-                  <a:txBody>
-                    <a:bodyPr/>
-                    <a:lstStyle/>
-                    <a:p>
-                      <a:endParaRPr lang="es-AR" dirty="0"/>
-                    </a:p>
-                  </a:txBody>
-                  <a:tcPr/>
-                </a:tc>
-                <a:tc>
-                  <a:txBody>
-                    <a:bodyPr/>
-                    <a:lstStyle/>
-                    <a:p>
-                      <a:pPr marL="285750" indent="-285750">
-                        <a:buFont typeface="Arial" pitchFamily="34" charset="0"/>
-                        <a:buChar char="•"/>
-                      </a:pPr>
-                      <a:r>
-                        <a:rPr lang="es-AR" dirty="0" smtClean="0"/>
-                        <a:t>El Salón</a:t>
-                      </a:r>
-                    </a:p>
-                    <a:p>
-                      <a:pPr marL="285750" indent="-285750">
-                        <a:buFont typeface="Arial" pitchFamily="34" charset="0"/>
-                        <a:buChar char="•"/>
-                      </a:pPr>
-                      <a:r>
-                        <a:rPr lang="es-AR" dirty="0" smtClean="0"/>
-                        <a:t>AI: Pedir la sala mas grande</a:t>
-                      </a:r>
-                    </a:p>
-                    <a:p>
-                      <a:pPr marL="285750" indent="-285750">
-                        <a:buFont typeface="Arial" pitchFamily="34" charset="0"/>
-                        <a:buChar char="•"/>
-                      </a:pPr>
-                      <a:endParaRPr lang="es-AR" dirty="0"/>
-                    </a:p>
-                  </a:txBody>
-                  <a:tcPr/>
-                </a:tc>
-              </a:tr>
-              <a:tr h="370840">
-                <a:tc>
-                  <a:txBody>
-                    <a:bodyPr/>
-                    <a:lstStyle/>
-                    <a:p>
-                      <a:endParaRPr lang="es-AR" dirty="0"/>
-                    </a:p>
-                  </a:txBody>
-                  <a:tcPr/>
-                </a:tc>
-                <a:tc>
-                  <a:txBody>
-                    <a:bodyPr/>
-                    <a:lstStyle/>
-                    <a:p>
-                      <a:pPr marL="285750" indent="-285750">
-                        <a:buFont typeface="Arial" pitchFamily="34" charset="0"/>
-                        <a:buChar char="•"/>
-                      </a:pPr>
-                      <a:endParaRPr lang="es-AR" dirty="0"/>
-                    </a:p>
-                  </a:txBody>
-                  <a:tcPr/>
-                </a:tc>
-              </a:tr>
-            </a:tbl>
-          </a:graphicData>
-        </a:graphic>
-      </p:graphicFrame>
       <p:sp>
         <p:nvSpPr>
           <p:cNvPr id="3" name="TextBox 2"/>
@@ -3689,7 +3509,7 @@
         </p:nvSpPr>
         <p:spPr>
           <a:xfrm>
-            <a:off x="1979712" y="3933056"/>
+            <a:off x="1691680" y="1484784"/>
             <a:ext cx="4352987" cy="2862322"/>
           </a:xfrm>
           <a:prstGeom prst="rect">
